--- a/Bellagamba2018.pptx
+++ b/Bellagamba2018.pptx
@@ -246,7 +246,7 @@
           <a:p>
             <a:fld id="{682CC76D-4CCC-4881-85F3-0DCA1F11F5C8}" type="datetimeFigureOut">
               <a:rPr lang="zh-HK" altLang="en-US" smtClean="0"/>
-              <a:t>29/01/19</a:t>
+              <a:t>30/01/19</a:t>
             </a:fld>
             <a:endParaRPr lang="zh-HK" altLang="en-US"/>
           </a:p>
@@ -416,7 +416,7 @@
           <a:p>
             <a:fld id="{682CC76D-4CCC-4881-85F3-0DCA1F11F5C8}" type="datetimeFigureOut">
               <a:rPr lang="zh-HK" altLang="en-US" smtClean="0"/>
-              <a:t>29/01/19</a:t>
+              <a:t>30/01/19</a:t>
             </a:fld>
             <a:endParaRPr lang="zh-HK" altLang="en-US"/>
           </a:p>
@@ -596,7 +596,7 @@
           <a:p>
             <a:fld id="{682CC76D-4CCC-4881-85F3-0DCA1F11F5C8}" type="datetimeFigureOut">
               <a:rPr lang="zh-HK" altLang="en-US" smtClean="0"/>
-              <a:t>29/01/19</a:t>
+              <a:t>30/01/19</a:t>
             </a:fld>
             <a:endParaRPr lang="zh-HK" altLang="en-US"/>
           </a:p>
@@ -766,7 +766,7 @@
           <a:p>
             <a:fld id="{682CC76D-4CCC-4881-85F3-0DCA1F11F5C8}" type="datetimeFigureOut">
               <a:rPr lang="zh-HK" altLang="en-US" smtClean="0"/>
-              <a:t>29/01/19</a:t>
+              <a:t>30/01/19</a:t>
             </a:fld>
             <a:endParaRPr lang="zh-HK" altLang="en-US"/>
           </a:p>
@@ -1012,7 +1012,7 @@
           <a:p>
             <a:fld id="{682CC76D-4CCC-4881-85F3-0DCA1F11F5C8}" type="datetimeFigureOut">
               <a:rPr lang="zh-HK" altLang="en-US" smtClean="0"/>
-              <a:t>29/01/19</a:t>
+              <a:t>30/01/19</a:t>
             </a:fld>
             <a:endParaRPr lang="zh-HK" altLang="en-US"/>
           </a:p>
@@ -1244,7 +1244,7 @@
           <a:p>
             <a:fld id="{682CC76D-4CCC-4881-85F3-0DCA1F11F5C8}" type="datetimeFigureOut">
               <a:rPr lang="zh-HK" altLang="en-US" smtClean="0"/>
-              <a:t>29/01/19</a:t>
+              <a:t>30/01/19</a:t>
             </a:fld>
             <a:endParaRPr lang="zh-HK" altLang="en-US"/>
           </a:p>
@@ -1611,7 +1611,7 @@
           <a:p>
             <a:fld id="{682CC76D-4CCC-4881-85F3-0DCA1F11F5C8}" type="datetimeFigureOut">
               <a:rPr lang="zh-HK" altLang="en-US" smtClean="0"/>
-              <a:t>29/01/19</a:t>
+              <a:t>30/01/19</a:t>
             </a:fld>
             <a:endParaRPr lang="zh-HK" altLang="en-US"/>
           </a:p>
@@ -1729,7 +1729,7 @@
           <a:p>
             <a:fld id="{682CC76D-4CCC-4881-85F3-0DCA1F11F5C8}" type="datetimeFigureOut">
               <a:rPr lang="zh-HK" altLang="en-US" smtClean="0"/>
-              <a:t>29/01/19</a:t>
+              <a:t>30/01/19</a:t>
             </a:fld>
             <a:endParaRPr lang="zh-HK" altLang="en-US"/>
           </a:p>
@@ -1824,7 +1824,7 @@
           <a:p>
             <a:fld id="{682CC76D-4CCC-4881-85F3-0DCA1F11F5C8}" type="datetimeFigureOut">
               <a:rPr lang="zh-HK" altLang="en-US" smtClean="0"/>
-              <a:t>29/01/19</a:t>
+              <a:t>30/01/19</a:t>
             </a:fld>
             <a:endParaRPr lang="zh-HK" altLang="en-US"/>
           </a:p>
@@ -2101,7 +2101,7 @@
           <a:p>
             <a:fld id="{682CC76D-4CCC-4881-85F3-0DCA1F11F5C8}" type="datetimeFigureOut">
               <a:rPr lang="zh-HK" altLang="en-US" smtClean="0"/>
-              <a:t>29/01/19</a:t>
+              <a:t>30/01/19</a:t>
             </a:fld>
             <a:endParaRPr lang="zh-HK" altLang="en-US"/>
           </a:p>
@@ -2358,7 +2358,7 @@
           <a:p>
             <a:fld id="{682CC76D-4CCC-4881-85F3-0DCA1F11F5C8}" type="datetimeFigureOut">
               <a:rPr lang="zh-HK" altLang="en-US" smtClean="0"/>
-              <a:t>29/01/19</a:t>
+              <a:t>30/01/19</a:t>
             </a:fld>
             <a:endParaRPr lang="zh-HK" altLang="en-US"/>
           </a:p>
@@ -2571,7 +2571,7 @@
           <a:p>
             <a:fld id="{682CC76D-4CCC-4881-85F3-0DCA1F11F5C8}" type="datetimeFigureOut">
               <a:rPr lang="zh-HK" altLang="en-US" smtClean="0"/>
-              <a:t>29/01/19</a:t>
+              <a:t>30/01/19</a:t>
             </a:fld>
             <a:endParaRPr lang="zh-HK" altLang="en-US"/>
           </a:p>
@@ -3032,10 +3032,10 @@
       </p:sp>
       <p:pic>
         <p:nvPicPr>
-          <p:cNvPr id="13" name="Content Placeholder 9">
+          <p:cNvPr id="3" name="Picture 2">
             <a:extLst>
               <a:ext uri="{FF2B5EF4-FFF2-40B4-BE49-F238E27FC236}">
-                <a16:creationId xmlns:a16="http://schemas.microsoft.com/office/drawing/2014/main" id="{3FE9109F-B34F-774B-A89F-E44D3720D2AB}"/>
+                <a16:creationId xmlns:a16="http://schemas.microsoft.com/office/drawing/2014/main" id="{50A71DD3-8F1A-9E4F-8559-AA9DBB8DA53A}"/>
               </a:ext>
             </a:extLst>
           </p:cNvPr>
@@ -3058,8 +3058,8 @@
         </p:blipFill>
         <p:spPr>
           <a:xfrm>
-            <a:off x="1525101" y="0"/>
-            <a:ext cx="9141797" cy="6856348"/>
+            <a:off x="1524803" y="0"/>
+            <a:ext cx="9142394" cy="6856796"/>
           </a:xfrm>
           <a:prstGeom prst="rect">
             <a:avLst/>
@@ -3131,10 +3131,10 @@
       </p:sp>
       <p:pic>
         <p:nvPicPr>
-          <p:cNvPr id="9" name="Content Placeholder 8">
+          <p:cNvPr id="6" name="Content Placeholder 5">
             <a:extLst>
               <a:ext uri="{FF2B5EF4-FFF2-40B4-BE49-F238E27FC236}">
-                <a16:creationId xmlns:a16="http://schemas.microsoft.com/office/drawing/2014/main" id="{320A48F5-DA72-3344-8663-CF069CEC4040}"/>
+                <a16:creationId xmlns:a16="http://schemas.microsoft.com/office/drawing/2014/main" id="{E23519A8-AAA1-8142-ACE4-46B67AD016B9}"/>
               </a:ext>
             </a:extLst>
           </p:cNvPr>
@@ -3160,7 +3160,7 @@
         <p:spPr>
           <a:xfrm>
             <a:off x="1524000" y="0"/>
-            <a:ext cx="9148997" cy="6861748"/>
+            <a:ext cx="9141797" cy="6856348"/>
           </a:xfrm>
         </p:spPr>
       </p:pic>
@@ -3250,10 +3250,10 @@
       </p:sp>
       <p:pic>
         <p:nvPicPr>
-          <p:cNvPr id="11" name="Content Placeholder 10">
+          <p:cNvPr id="5" name="Content Placeholder 4">
             <a:extLst>
               <a:ext uri="{FF2B5EF4-FFF2-40B4-BE49-F238E27FC236}">
-                <a16:creationId xmlns:a16="http://schemas.microsoft.com/office/drawing/2014/main" id="{26A9CA54-3BC5-B547-9259-46B46D4A5709}"/>
+                <a16:creationId xmlns:a16="http://schemas.microsoft.com/office/drawing/2014/main" id="{EA220E76-AE63-8F4C-AA83-EF8BC0F9DD1D}"/>
               </a:ext>
             </a:extLst>
           </p:cNvPr>
@@ -3279,7 +3279,7 @@
         <p:spPr>
           <a:xfrm>
             <a:off x="1524000" y="0"/>
-            <a:ext cx="9143999" cy="6858000"/>
+            <a:ext cx="9144000" cy="6858000"/>
           </a:xfrm>
         </p:spPr>
       </p:pic>
@@ -3370,17 +3370,19 @@
       </p:sp>
       <p:pic>
         <p:nvPicPr>
-          <p:cNvPr id="12" name="Content Placeholder 8">
+          <p:cNvPr id="4" name="Content Placeholder 5">
             <a:extLst>
               <a:ext uri="{FF2B5EF4-FFF2-40B4-BE49-F238E27FC236}">
-                <a16:creationId xmlns:a16="http://schemas.microsoft.com/office/drawing/2014/main" id="{5AA64447-C759-2745-847D-AEAA63D4BCD4}"/>
+                <a16:creationId xmlns:a16="http://schemas.microsoft.com/office/drawing/2014/main" id="{B253204C-5482-E24D-A181-37C4CC9DB78F}"/>
               </a:ext>
             </a:extLst>
           </p:cNvPr>
           <p:cNvPicPr>
-            <a:picLocks noChangeAspect="1"/>
+            <a:picLocks noGrp="1" noChangeAspect="1"/>
           </p:cNvPicPr>
-          <p:nvPr/>
+          <p:nvPr>
+            <p:ph idx="1"/>
+          </p:nvPr>
         </p:nvPicPr>
         <p:blipFill>
           <a:blip r:embed="rId2">
@@ -3397,11 +3399,8 @@
         <p:spPr>
           <a:xfrm>
             <a:off x="1524000" y="0"/>
-            <a:ext cx="9148997" cy="6861748"/>
+            <a:ext cx="9141797" cy="6856348"/>
           </a:xfrm>
-          <a:prstGeom prst="rect">
-            <a:avLst/>
-          </a:prstGeom>
         </p:spPr>
       </p:pic>
     </p:spTree>
